--- a/notes/graph.pptx
+++ b/notes/graph.pptx
@@ -288,7 +288,7 @@
           <a:p>
             <a:fld id="{1CE78D49-2A00-4ECE-8E39-A17DCF13F3C7}" type="datetimeFigureOut">
               <a:rPr lang="en-IN" smtClean="0"/>
-              <a:t>11-05-2020</a:t>
+              <a:t>28-05-2020</a:t>
             </a:fld>
             <a:endParaRPr lang="en-IN"/>
           </a:p>
@@ -458,7 +458,7 @@
           <a:p>
             <a:fld id="{1CE78D49-2A00-4ECE-8E39-A17DCF13F3C7}" type="datetimeFigureOut">
               <a:rPr lang="en-IN" smtClean="0"/>
-              <a:t>11-05-2020</a:t>
+              <a:t>28-05-2020</a:t>
             </a:fld>
             <a:endParaRPr lang="en-IN"/>
           </a:p>
@@ -638,7 +638,7 @@
           <a:p>
             <a:fld id="{1CE78D49-2A00-4ECE-8E39-A17DCF13F3C7}" type="datetimeFigureOut">
               <a:rPr lang="en-IN" smtClean="0"/>
-              <a:t>11-05-2020</a:t>
+              <a:t>28-05-2020</a:t>
             </a:fld>
             <a:endParaRPr lang="en-IN"/>
           </a:p>
@@ -808,7 +808,7 @@
           <a:p>
             <a:fld id="{1CE78D49-2A00-4ECE-8E39-A17DCF13F3C7}" type="datetimeFigureOut">
               <a:rPr lang="en-IN" smtClean="0"/>
-              <a:t>11-05-2020</a:t>
+              <a:t>28-05-2020</a:t>
             </a:fld>
             <a:endParaRPr lang="en-IN"/>
           </a:p>
@@ -1054,7 +1054,7 @@
           <a:p>
             <a:fld id="{1CE78D49-2A00-4ECE-8E39-A17DCF13F3C7}" type="datetimeFigureOut">
               <a:rPr lang="en-IN" smtClean="0"/>
-              <a:t>11-05-2020</a:t>
+              <a:t>28-05-2020</a:t>
             </a:fld>
             <a:endParaRPr lang="en-IN"/>
           </a:p>
@@ -1342,7 +1342,7 @@
           <a:p>
             <a:fld id="{1CE78D49-2A00-4ECE-8E39-A17DCF13F3C7}" type="datetimeFigureOut">
               <a:rPr lang="en-IN" smtClean="0"/>
-              <a:t>11-05-2020</a:t>
+              <a:t>28-05-2020</a:t>
             </a:fld>
             <a:endParaRPr lang="en-IN"/>
           </a:p>
@@ -1764,7 +1764,7 @@
           <a:p>
             <a:fld id="{1CE78D49-2A00-4ECE-8E39-A17DCF13F3C7}" type="datetimeFigureOut">
               <a:rPr lang="en-IN" smtClean="0"/>
-              <a:t>11-05-2020</a:t>
+              <a:t>28-05-2020</a:t>
             </a:fld>
             <a:endParaRPr lang="en-IN"/>
           </a:p>
@@ -1882,7 +1882,7 @@
           <a:p>
             <a:fld id="{1CE78D49-2A00-4ECE-8E39-A17DCF13F3C7}" type="datetimeFigureOut">
               <a:rPr lang="en-IN" smtClean="0"/>
-              <a:t>11-05-2020</a:t>
+              <a:t>28-05-2020</a:t>
             </a:fld>
             <a:endParaRPr lang="en-IN"/>
           </a:p>
@@ -1977,7 +1977,7 @@
           <a:p>
             <a:fld id="{1CE78D49-2A00-4ECE-8E39-A17DCF13F3C7}" type="datetimeFigureOut">
               <a:rPr lang="en-IN" smtClean="0"/>
-              <a:t>11-05-2020</a:t>
+              <a:t>28-05-2020</a:t>
             </a:fld>
             <a:endParaRPr lang="en-IN"/>
           </a:p>
@@ -2254,7 +2254,7 @@
           <a:p>
             <a:fld id="{1CE78D49-2A00-4ECE-8E39-A17DCF13F3C7}" type="datetimeFigureOut">
               <a:rPr lang="en-IN" smtClean="0"/>
-              <a:t>11-05-2020</a:t>
+              <a:t>28-05-2020</a:t>
             </a:fld>
             <a:endParaRPr lang="en-IN"/>
           </a:p>
@@ -2507,7 +2507,7 @@
           <a:p>
             <a:fld id="{1CE78D49-2A00-4ECE-8E39-A17DCF13F3C7}" type="datetimeFigureOut">
               <a:rPr lang="en-IN" smtClean="0"/>
-              <a:t>11-05-2020</a:t>
+              <a:t>28-05-2020</a:t>
             </a:fld>
             <a:endParaRPr lang="en-IN"/>
           </a:p>
@@ -2720,7 +2720,7 @@
           <a:p>
             <a:fld id="{1CE78D49-2A00-4ECE-8E39-A17DCF13F3C7}" type="datetimeFigureOut">
               <a:rPr lang="en-IN" smtClean="0"/>
-              <a:t>11-05-2020</a:t>
+              <a:t>28-05-2020</a:t>
             </a:fld>
             <a:endParaRPr lang="en-IN"/>
           </a:p>
@@ -3097,7 +3097,7 @@
       </p:grpSpPr>
       <p:grpSp>
         <p:nvGrpSpPr>
-          <p:cNvPr id="15" name="Group 14"/>
+          <p:cNvPr id="7" name="Group 6"/>
           <p:cNvGrpSpPr/>
           <p:nvPr/>
         </p:nvGrpSpPr>
@@ -3111,7 +3111,7 @@
         </p:grpSpPr>
         <p:grpSp>
           <p:nvGrpSpPr>
-            <p:cNvPr id="25" name="Group 24"/>
+            <p:cNvPr id="15" name="Group 14"/>
             <p:cNvGrpSpPr/>
             <p:nvPr/>
           </p:nvGrpSpPr>
@@ -3125,7 +3125,7 @@
           </p:grpSpPr>
           <p:grpSp>
             <p:nvGrpSpPr>
-              <p:cNvPr id="13" name="Group 12"/>
+              <p:cNvPr id="25" name="Group 24"/>
               <p:cNvGrpSpPr/>
               <p:nvPr/>
             </p:nvGrpSpPr>
@@ -3137,23 +3137,208 @@
                 <a:chExt cx="7056784" cy="4392488"/>
               </a:xfrm>
             </p:grpSpPr>
+            <p:grpSp>
+              <p:nvGrpSpPr>
+                <p:cNvPr id="13" name="Group 12"/>
+                <p:cNvGrpSpPr/>
+                <p:nvPr/>
+              </p:nvGrpSpPr>
+              <p:grpSpPr>
+                <a:xfrm>
+                  <a:off x="1043608" y="1377585"/>
+                  <a:ext cx="7056784" cy="4392488"/>
+                  <a:chOff x="1043608" y="1377585"/>
+                  <a:chExt cx="7056784" cy="4392488"/>
+                </a:xfrm>
+              </p:grpSpPr>
+              <p:sp>
+                <p:nvSpPr>
+                  <p:cNvPr id="2" name="Rounded Rectangle 1"/>
+                  <p:cNvSpPr/>
+                  <p:nvPr/>
+                </p:nvSpPr>
+                <p:spPr>
+                  <a:xfrm>
+                    <a:off x="1043608" y="1377585"/>
+                    <a:ext cx="7056784" cy="4392488"/>
+                  </a:xfrm>
+                  <a:prstGeom prst="roundRect">
+                    <a:avLst/>
+                  </a:prstGeom>
+                  <a:solidFill>
+                    <a:schemeClr val="bg1"/>
+                  </a:solidFill>
+                </p:spPr>
+                <p:style>
+                  <a:lnRef idx="2">
+                    <a:schemeClr val="accent1">
+                      <a:shade val="50000"/>
+                    </a:schemeClr>
+                  </a:lnRef>
+                  <a:fillRef idx="1">
+                    <a:schemeClr val="accent1"/>
+                  </a:fillRef>
+                  <a:effectRef idx="0">
+                    <a:schemeClr val="accent1"/>
+                  </a:effectRef>
+                  <a:fontRef idx="minor">
+                    <a:schemeClr val="lt1"/>
+                  </a:fontRef>
+                </p:style>
+                <p:txBody>
+                  <a:bodyPr rtlCol="0" anchor="ctr"/>
+                  <a:lstStyle/>
+                  <a:p>
+                    <a:pPr algn="ctr"/>
+                    <a:endParaRPr lang="en-IN"/>
+                  </a:p>
+                </p:txBody>
+              </p:sp>
+              <p:cxnSp>
+                <p:nvCxnSpPr>
+                  <p:cNvPr id="4" name="Straight Connector 3"/>
+                  <p:cNvCxnSpPr/>
+                  <p:nvPr/>
+                </p:nvCxnSpPr>
+                <p:spPr>
+                  <a:xfrm>
+                    <a:off x="1907704" y="1772816"/>
+                    <a:ext cx="0" cy="3744416"/>
+                  </a:xfrm>
+                  <a:prstGeom prst="line">
+                    <a:avLst/>
+                  </a:prstGeom>
+                  <a:ln w="38100"/>
+                </p:spPr>
+                <p:style>
+                  <a:lnRef idx="1">
+                    <a:schemeClr val="dk1"/>
+                  </a:lnRef>
+                  <a:fillRef idx="0">
+                    <a:schemeClr val="dk1"/>
+                  </a:fillRef>
+                  <a:effectRef idx="0">
+                    <a:schemeClr val="dk1"/>
+                  </a:effectRef>
+                  <a:fontRef idx="minor">
+                    <a:schemeClr val="tx1"/>
+                  </a:fontRef>
+                </p:style>
+              </p:cxnSp>
+              <p:cxnSp>
+                <p:nvCxnSpPr>
+                  <p:cNvPr id="5" name="Straight Connector 4"/>
+                  <p:cNvCxnSpPr/>
+                  <p:nvPr/>
+                </p:nvCxnSpPr>
+                <p:spPr>
+                  <a:xfrm flipH="1">
+                    <a:off x="1547664" y="5085184"/>
+                    <a:ext cx="6120680" cy="0"/>
+                  </a:xfrm>
+                  <a:prstGeom prst="line">
+                    <a:avLst/>
+                  </a:prstGeom>
+                  <a:ln w="38100"/>
+                </p:spPr>
+                <p:style>
+                  <a:lnRef idx="1">
+                    <a:schemeClr val="dk1"/>
+                  </a:lnRef>
+                  <a:fillRef idx="0">
+                    <a:schemeClr val="dk1"/>
+                  </a:fillRef>
+                  <a:effectRef idx="0">
+                    <a:schemeClr val="dk1"/>
+                  </a:effectRef>
+                  <a:fontRef idx="minor">
+                    <a:schemeClr val="tx1"/>
+                  </a:fontRef>
+                </p:style>
+              </p:cxnSp>
+              <p:sp>
+                <p:nvSpPr>
+                  <p:cNvPr id="11" name="TextBox 10"/>
+                  <p:cNvSpPr txBox="1"/>
+                  <p:nvPr/>
+                </p:nvSpPr>
+                <p:spPr>
+                  <a:xfrm>
+                    <a:off x="3491880" y="5138028"/>
+                    <a:ext cx="2232248" cy="523220"/>
+                  </a:xfrm>
+                  <a:prstGeom prst="rect">
+                    <a:avLst/>
+                  </a:prstGeom>
+                  <a:noFill/>
+                </p:spPr>
+                <p:txBody>
+                  <a:bodyPr wrap="square" rtlCol="0">
+                    <a:spAutoFit/>
+                  </a:bodyPr>
+                  <a:lstStyle/>
+                  <a:p>
+                    <a:r>
+                      <a:rPr lang="en-IN" sz="2800" dirty="0" smtClean="0"/>
+                      <a:t>TIME (WEEKS)</a:t>
+                    </a:r>
+                    <a:endParaRPr lang="en-IN" sz="2800" dirty="0"/>
+                  </a:p>
+                </p:txBody>
+              </p:sp>
+              <p:sp>
+                <p:nvSpPr>
+                  <p:cNvPr id="12" name="TextBox 11"/>
+                  <p:cNvSpPr txBox="1"/>
+                  <p:nvPr/>
+                </p:nvSpPr>
+                <p:spPr>
+                  <a:xfrm rot="16200000">
+                    <a:off x="836003" y="3221395"/>
+                    <a:ext cx="1332148" cy="523220"/>
+                  </a:xfrm>
+                  <a:prstGeom prst="rect">
+                    <a:avLst/>
+                  </a:prstGeom>
+                  <a:noFill/>
+                </p:spPr>
+                <p:txBody>
+                  <a:bodyPr wrap="square" rtlCol="0">
+                    <a:spAutoFit/>
+                  </a:bodyPr>
+                  <a:lstStyle/>
+                  <a:p>
+                    <a:r>
+                      <a:rPr lang="en-IN" sz="2800" dirty="0" smtClean="0"/>
+                      <a:t>EFFORT</a:t>
+                    </a:r>
+                    <a:endParaRPr lang="en-IN" sz="2800" dirty="0"/>
+                  </a:p>
+                </p:txBody>
+              </p:sp>
+            </p:grpSp>
             <p:sp>
               <p:nvSpPr>
-                <p:cNvPr id="2" name="Rounded Rectangle 1"/>
+                <p:cNvPr id="20" name="Right Triangle 19"/>
                 <p:cNvSpPr/>
                 <p:nvPr/>
               </p:nvSpPr>
               <p:spPr>
                 <a:xfrm>
-                  <a:off x="1043608" y="1377585"/>
-                  <a:ext cx="7056784" cy="4392488"/>
+                  <a:off x="1907704" y="2816931"/>
+                  <a:ext cx="3024336" cy="1512170"/>
                 </a:xfrm>
-                <a:prstGeom prst="roundRect">
+                <a:prstGeom prst="rtTriangle">
                   <a:avLst/>
                 </a:prstGeom>
                 <a:solidFill>
-                  <a:schemeClr val="bg1"/>
+                  <a:srgbClr val="FF3300">
+                    <a:alpha val="50196"/>
+                  </a:srgbClr>
                 </a:solidFill>
+                <a:ln>
+                  <a:noFill/>
+                </a:ln>
               </p:spPr>
               <p:style>
                 <a:lnRef idx="2">
@@ -3182,137 +3367,52 @@
             </p:sp>
             <p:cxnSp>
               <p:nvCxnSpPr>
-                <p:cNvPr id="4" name="Straight Connector 3"/>
-                <p:cNvCxnSpPr/>
+                <p:cNvPr id="22" name="Straight Connector 21"/>
+                <p:cNvCxnSpPr>
+                  <a:endCxn id="20" idx="0"/>
+                </p:cNvCxnSpPr>
                 <p:nvPr/>
               </p:nvCxnSpPr>
               <p:spPr>
-                <a:xfrm>
-                  <a:off x="1907704" y="1772816"/>
-                  <a:ext cx="0" cy="3744416"/>
+                <a:xfrm flipH="1" flipV="1">
+                  <a:off x="1907704" y="2816931"/>
+                  <a:ext cx="3024336" cy="1512172"/>
                 </a:xfrm>
                 <a:prstGeom prst="line">
                   <a:avLst/>
                 </a:prstGeom>
-                <a:ln w="38100"/>
+                <a:ln w="38100">
+                  <a:solidFill>
+                    <a:srgbClr val="FF3300"/>
+                  </a:solidFill>
+                </a:ln>
               </p:spPr>
               <p:style>
                 <a:lnRef idx="1">
-                  <a:schemeClr val="dk1"/>
+                  <a:schemeClr val="accent2"/>
                 </a:lnRef>
                 <a:fillRef idx="0">
-                  <a:schemeClr val="dk1"/>
+                  <a:schemeClr val="accent2"/>
                 </a:fillRef>
                 <a:effectRef idx="0">
-                  <a:schemeClr val="dk1"/>
+                  <a:schemeClr val="accent2"/>
                 </a:effectRef>
                 <a:fontRef idx="minor">
                   <a:schemeClr val="tx1"/>
                 </a:fontRef>
               </p:style>
             </p:cxnSp>
-            <p:cxnSp>
-              <p:nvCxnSpPr>
-                <p:cNvPr id="5" name="Straight Connector 4"/>
-                <p:cNvCxnSpPr/>
-                <p:nvPr/>
-              </p:nvCxnSpPr>
-              <p:spPr>
-                <a:xfrm flipH="1">
-                  <a:off x="1547664" y="5085184"/>
-                  <a:ext cx="6120680" cy="0"/>
-                </a:xfrm>
-                <a:prstGeom prst="line">
-                  <a:avLst/>
-                </a:prstGeom>
-                <a:ln w="38100"/>
-              </p:spPr>
-              <p:style>
-                <a:lnRef idx="1">
-                  <a:schemeClr val="dk1"/>
-                </a:lnRef>
-                <a:fillRef idx="0">
-                  <a:schemeClr val="dk1"/>
-                </a:fillRef>
-                <a:effectRef idx="0">
-                  <a:schemeClr val="dk1"/>
-                </a:effectRef>
-                <a:fontRef idx="minor">
-                  <a:schemeClr val="tx1"/>
-                </a:fontRef>
-              </p:style>
-            </p:cxnSp>
-            <p:sp>
-              <p:nvSpPr>
-                <p:cNvPr id="11" name="TextBox 10"/>
-                <p:cNvSpPr txBox="1"/>
-                <p:nvPr/>
-              </p:nvSpPr>
-              <p:spPr>
-                <a:xfrm>
-                  <a:off x="3491880" y="5138028"/>
-                  <a:ext cx="2232248" cy="523220"/>
-                </a:xfrm>
-                <a:prstGeom prst="rect">
-                  <a:avLst/>
-                </a:prstGeom>
-                <a:noFill/>
-              </p:spPr>
-              <p:txBody>
-                <a:bodyPr wrap="square" rtlCol="0">
-                  <a:spAutoFit/>
-                </a:bodyPr>
-                <a:lstStyle/>
-                <a:p>
-                  <a:r>
-                    <a:rPr lang="en-IN" sz="2800" dirty="0" smtClean="0"/>
-                    <a:t>TIME (WEEKS)</a:t>
-                  </a:r>
-                  <a:endParaRPr lang="en-IN" sz="2800" dirty="0"/>
-                </a:p>
-              </p:txBody>
-            </p:sp>
-            <p:sp>
-              <p:nvSpPr>
-                <p:cNvPr id="12" name="TextBox 11"/>
-                <p:cNvSpPr txBox="1"/>
-                <p:nvPr/>
-              </p:nvSpPr>
-              <p:spPr>
-                <a:xfrm rot="16200000">
-                  <a:off x="836003" y="3221395"/>
-                  <a:ext cx="1332148" cy="523220"/>
-                </a:xfrm>
-                <a:prstGeom prst="rect">
-                  <a:avLst/>
-                </a:prstGeom>
-                <a:noFill/>
-              </p:spPr>
-              <p:txBody>
-                <a:bodyPr wrap="square" rtlCol="0">
-                  <a:spAutoFit/>
-                </a:bodyPr>
-                <a:lstStyle/>
-                <a:p>
-                  <a:r>
-                    <a:rPr lang="en-IN" sz="2800" dirty="0" smtClean="0"/>
-                    <a:t>EFFORT</a:t>
-                  </a:r>
-                  <a:endParaRPr lang="en-IN" sz="2800" dirty="0"/>
-                </a:p>
-              </p:txBody>
-            </p:sp>
           </p:grpSp>
           <p:sp>
             <p:nvSpPr>
-              <p:cNvPr id="20" name="Right Triangle 19"/>
+              <p:cNvPr id="14" name="Right Triangle 13"/>
               <p:cNvSpPr/>
               <p:nvPr/>
             </p:nvSpPr>
             <p:spPr>
-              <a:xfrm>
-                <a:off x="4427984" y="2809042"/>
-                <a:ext cx="3024336" cy="2268253"/>
+              <a:xfrm flipH="1">
+                <a:off x="4932040" y="2816931"/>
+                <a:ext cx="2520280" cy="1512170"/>
               </a:xfrm>
               <a:prstGeom prst="rtTriangle">
                 <a:avLst/>
@@ -3353,16 +3453,16 @@
           </p:sp>
           <p:cxnSp>
             <p:nvCxnSpPr>
-              <p:cNvPr id="22" name="Straight Connector 21"/>
+              <p:cNvPr id="16" name="Straight Connector 15"/>
               <p:cNvCxnSpPr>
-                <a:endCxn id="20" idx="0"/>
+                <a:stCxn id="14" idx="4"/>
               </p:cNvCxnSpPr>
               <p:nvPr/>
             </p:nvCxnSpPr>
             <p:spPr>
-              <a:xfrm flipH="1" flipV="1">
-                <a:off x="4427984" y="2809042"/>
-                <a:ext cx="3024336" cy="2268254"/>
+              <a:xfrm flipV="1">
+                <a:off x="4932040" y="2816931"/>
+                <a:ext cx="2520280" cy="1512170"/>
               </a:xfrm>
               <a:prstGeom prst="line">
                 <a:avLst/>
@@ -3391,16 +3491,16 @@
         </p:grpSp>
         <p:sp>
           <p:nvSpPr>
-            <p:cNvPr id="14" name="Right Triangle 13"/>
+            <p:cNvPr id="17" name="Rectangle 16"/>
             <p:cNvSpPr/>
             <p:nvPr/>
           </p:nvSpPr>
           <p:spPr>
             <a:xfrm flipH="1">
-              <a:off x="1907704" y="2816931"/>
-              <a:ext cx="2520280" cy="2268253"/>
+              <a:off x="1907704" y="4329101"/>
+              <a:ext cx="5544616" cy="756083"/>
             </a:xfrm>
-            <a:prstGeom prst="rtTriangle">
+            <a:prstGeom prst="rect">
               <a:avLst/>
             </a:prstGeom>
             <a:solidFill>
@@ -3437,43 +3537,6 @@
             </a:p>
           </p:txBody>
         </p:sp>
-        <p:cxnSp>
-          <p:nvCxnSpPr>
-            <p:cNvPr id="16" name="Straight Connector 15"/>
-            <p:cNvCxnSpPr>
-              <a:stCxn id="14" idx="4"/>
-            </p:cNvCxnSpPr>
-            <p:nvPr/>
-          </p:nvCxnSpPr>
-          <p:spPr>
-            <a:xfrm flipV="1">
-              <a:off x="1907704" y="2809042"/>
-              <a:ext cx="2520280" cy="2276142"/>
-            </a:xfrm>
-            <a:prstGeom prst="line">
-              <a:avLst/>
-            </a:prstGeom>
-            <a:ln w="38100">
-              <a:solidFill>
-                <a:srgbClr val="FF3300"/>
-              </a:solidFill>
-            </a:ln>
-          </p:spPr>
-          <p:style>
-            <a:lnRef idx="1">
-              <a:schemeClr val="accent2"/>
-            </a:lnRef>
-            <a:fillRef idx="0">
-              <a:schemeClr val="accent2"/>
-            </a:fillRef>
-            <a:effectRef idx="0">
-              <a:schemeClr val="accent2"/>
-            </a:effectRef>
-            <a:fontRef idx="minor">
-              <a:schemeClr val="tx1"/>
-            </a:fontRef>
-          </p:style>
-        </p:cxnSp>
       </p:grpSp>
     </p:spTree>
     <p:extLst>
